--- a/SoS/230824_SoS分科会第6回進め方のご相談_rev.0.pptx
+++ b/SoS/230824_SoS分科会第6回進め方のご相談_rev.0.pptx
@@ -14784,6 +14784,35 @@
             <a:endParaRPr lang="en-US" altLang="ja-JP" dirty="0"/>
           </a:p>
           <a:p>
+            <a:pPr lvl="1"/>
+            <a:r>
+              <a:rPr lang="ja-JP" altLang="en-US" dirty="0"/>
+              <a:t>バイパス効果（ターミナル駅への回避）</a:t>
+            </a:r>
+            <a:endParaRPr lang="en-US" altLang="ja-JP" dirty="0"/>
+          </a:p>
+          <a:p>
+            <a:pPr lvl="1"/>
+            <a:r>
+              <a:rPr lang="ja-JP" altLang="en-US" dirty="0"/>
+              <a:t>既存交通機関（特にターミナル駅）の混雑緩和、郊外から都心へのアクセスの利便性（速達性／快適性）向上、輸送効率性向上</a:t>
+            </a:r>
+            <a:endParaRPr lang="en-US" altLang="ja-JP" dirty="0"/>
+          </a:p>
+          <a:p>
+            <a:pPr lvl="1"/>
+            <a:r>
+              <a:rPr lang="ja-JP" altLang="en-US" dirty="0"/>
+              <a:t>利用者にとっては、乗り換え解消、運賃低下、移動時間短縮、路線や駅の混雑緩和によるストレス低減、一方、遅延の波及効果が大きい</a:t>
+            </a:r>
+            <a:endParaRPr lang="en-US" altLang="ja-JP" dirty="0"/>
+          </a:p>
+          <a:p>
+            <a:pPr lvl="1"/>
+            <a:r>
+              <a:rPr lang="ja-JP" altLang="en-US" dirty="0"/>
+              <a:t>事業者にとっては、利用者増加による増収、事故や混雑による遅延リスク低下、一方、ダイヤ改正が困難</a:t>
+            </a:r>
             <a:endParaRPr lang="en-US" altLang="ja-JP" dirty="0"/>
           </a:p>
           <a:p>
@@ -18723,8 +18752,8 @@
         </p:nvSpPr>
         <p:spPr>
           <a:xfrm>
-            <a:off x="8548811" y="2543844"/>
-            <a:ext cx="524905" cy="276999"/>
+            <a:off x="8522565" y="2543844"/>
+            <a:ext cx="577396" cy="307777"/>
           </a:xfrm>
           <a:prstGeom prst="rect">
             <a:avLst/>
@@ -18739,10 +18768,10 @@
           <a:p>
             <a:pPr algn="ctr"/>
             <a:r>
-              <a:rPr kumimoji="1" lang="en-US" altLang="ja-JP" sz="1200" dirty="0"/>
+              <a:rPr kumimoji="1" lang="en-US" altLang="ja-JP" sz="1400" dirty="0"/>
               <a:t>SoS</a:t>
             </a:r>
-            <a:endParaRPr kumimoji="1" lang="ja-JP" altLang="en-US" sz="1200" dirty="0"/>
+            <a:endParaRPr kumimoji="1" lang="ja-JP" altLang="en-US" sz="1400" dirty="0"/>
           </a:p>
         </p:txBody>
       </p:sp>
@@ -18760,8 +18789,8 @@
         </p:nvSpPr>
         <p:spPr>
           <a:xfrm>
-            <a:off x="8260230" y="3392845"/>
-            <a:ext cx="1029523" cy="276999"/>
+            <a:off x="8115300" y="3392845"/>
+            <a:ext cx="1225929" cy="307777"/>
           </a:xfrm>
           <a:prstGeom prst="rect">
             <a:avLst/>
@@ -18776,7 +18805,7 @@
           <a:p>
             <a:pPr algn="ctr"/>
             <a:r>
-              <a:rPr kumimoji="1" lang="ja-JP" altLang="en-US" sz="1200" dirty="0"/>
+              <a:rPr kumimoji="1" lang="ja-JP" altLang="en-US" sz="1400" dirty="0"/>
               <a:t>要素システム</a:t>
             </a:r>
           </a:p>
@@ -18800,8 +18829,8 @@
         </p:nvCxnSpPr>
         <p:spPr>
           <a:xfrm flipH="1" flipV="1">
-            <a:off x="9073716" y="2682344"/>
-            <a:ext cx="249585" cy="101049"/>
+            <a:off x="9099961" y="2697733"/>
+            <a:ext cx="223340" cy="85660"/>
           </a:xfrm>
           <a:prstGeom prst="line">
             <a:avLst/>
@@ -18844,8 +18873,8 @@
         </p:nvCxnSpPr>
         <p:spPr>
           <a:xfrm flipV="1">
-            <a:off x="8774992" y="3132309"/>
-            <a:ext cx="503388" cy="260536"/>
+            <a:off x="8728265" y="3132309"/>
+            <a:ext cx="550115" cy="260536"/>
           </a:xfrm>
           <a:prstGeom prst="line">
             <a:avLst/>
